--- a/presentation/pendulum_experiment.pptx
+++ b/presentation/pendulum_experiment.pptx
@@ -10,10 +10,12 @@
     <p:sldId id="259" r:id="rId4"/>
     <p:sldId id="260" r:id="rId5"/>
     <p:sldId id="261" r:id="rId6"/>
-    <p:sldId id="262" r:id="rId7"/>
-    <p:sldId id="264" r:id="rId8"/>
-    <p:sldId id="265" r:id="rId9"/>
-    <p:sldId id="263" r:id="rId10"/>
+    <p:sldId id="265" r:id="rId7"/>
+    <p:sldId id="263" r:id="rId8"/>
+    <p:sldId id="266" r:id="rId9"/>
+    <p:sldId id="267" r:id="rId10"/>
+    <p:sldId id="268" r:id="rId11"/>
+    <p:sldId id="269" r:id="rId12"/>
   </p:sldIdLst>
   <p:sldSz cx="9144000" cy="6858000" type="screen4x3"/>
   <p:notesSz cx="6858000" cy="9144000"/>
@@ -112,6 +114,11 @@
       </a:defRPr>
     </a:lvl9pPr>
   </p:defaultTextStyle>
+  <p:extLst>
+    <p:ext uri="{EFAFB233-063F-42B5-8137-9DF3F51BA10A}">
+      <p15:sldGuideLst xmlns:p15="http://schemas.microsoft.com/office/powerpoint/2012/main"/>
+    </p:ext>
+  </p:extLst>
 </p:presentation>
 </file>
 
@@ -246,7 +253,7 @@
           <a:p>
             <a:fld id="{0FAD0BDF-1753-44A8-968A-BEB28A0FEFFF}" type="datetimeFigureOut">
               <a:rPr kumimoji="1" lang="ja-JP" altLang="en-US" smtClean="0"/>
-              <a:t>2017/7/24</a:t>
+              <a:t>2017/7/25</a:t>
             </a:fld>
             <a:endParaRPr kumimoji="1" lang="ja-JP" altLang="en-US"/>
           </a:p>
@@ -448,7 +455,7 @@
           <a:p>
             <a:fld id="{0FAD0BDF-1753-44A8-968A-BEB28A0FEFFF}" type="datetimeFigureOut">
               <a:rPr kumimoji="1" lang="ja-JP" altLang="en-US" smtClean="0"/>
-              <a:t>2017/7/24</a:t>
+              <a:t>2017/7/25</a:t>
             </a:fld>
             <a:endParaRPr kumimoji="1" lang="ja-JP" altLang="en-US"/>
           </a:p>
@@ -660,7 +667,7 @@
           <a:p>
             <a:fld id="{0FAD0BDF-1753-44A8-968A-BEB28A0FEFFF}" type="datetimeFigureOut">
               <a:rPr kumimoji="1" lang="ja-JP" altLang="en-US" smtClean="0"/>
-              <a:t>2017/7/24</a:t>
+              <a:t>2017/7/25</a:t>
             </a:fld>
             <a:endParaRPr kumimoji="1" lang="ja-JP" altLang="en-US"/>
           </a:p>
@@ -876,7 +883,7 @@
           <a:p>
             <a:fld id="{0FAD0BDF-1753-44A8-968A-BEB28A0FEFFF}" type="datetimeFigureOut">
               <a:rPr kumimoji="1" lang="ja-JP" altLang="en-US" smtClean="0"/>
-              <a:t>2017/7/24</a:t>
+              <a:t>2017/7/25</a:t>
             </a:fld>
             <a:endParaRPr kumimoji="1" lang="ja-JP" altLang="en-US"/>
           </a:p>
@@ -1125,7 +1132,7 @@
           <a:p>
             <a:fld id="{0FAD0BDF-1753-44A8-968A-BEB28A0FEFFF}" type="datetimeFigureOut">
               <a:rPr kumimoji="1" lang="ja-JP" altLang="en-US" smtClean="0"/>
-              <a:t>2017/7/24</a:t>
+              <a:t>2017/7/25</a:t>
             </a:fld>
             <a:endParaRPr kumimoji="1" lang="ja-JP" altLang="en-US"/>
           </a:p>
@@ -1421,7 +1428,7 @@
           <a:p>
             <a:fld id="{0FAD0BDF-1753-44A8-968A-BEB28A0FEFFF}" type="datetimeFigureOut">
               <a:rPr kumimoji="1" lang="ja-JP" altLang="en-US" smtClean="0"/>
-              <a:t>2017/7/24</a:t>
+              <a:t>2017/7/25</a:t>
             </a:fld>
             <a:endParaRPr kumimoji="1" lang="ja-JP" altLang="en-US"/>
           </a:p>
@@ -1852,7 +1859,7 @@
           <a:p>
             <a:fld id="{0FAD0BDF-1753-44A8-968A-BEB28A0FEFFF}" type="datetimeFigureOut">
               <a:rPr kumimoji="1" lang="ja-JP" altLang="en-US" smtClean="0"/>
-              <a:t>2017/7/24</a:t>
+              <a:t>2017/7/25</a:t>
             </a:fld>
             <a:endParaRPr kumimoji="1" lang="ja-JP" altLang="en-US"/>
           </a:p>
@@ -1970,7 +1977,7 @@
           <a:p>
             <a:fld id="{0FAD0BDF-1753-44A8-968A-BEB28A0FEFFF}" type="datetimeFigureOut">
               <a:rPr kumimoji="1" lang="ja-JP" altLang="en-US" smtClean="0"/>
-              <a:t>2017/7/24</a:t>
+              <a:t>2017/7/25</a:t>
             </a:fld>
             <a:endParaRPr kumimoji="1" lang="ja-JP" altLang="en-US"/>
           </a:p>
@@ -2065,7 +2072,7 @@
           <a:p>
             <a:fld id="{0FAD0BDF-1753-44A8-968A-BEB28A0FEFFF}" type="datetimeFigureOut">
               <a:rPr kumimoji="1" lang="ja-JP" altLang="en-US" smtClean="0"/>
-              <a:t>2017/7/24</a:t>
+              <a:t>2017/7/25</a:t>
             </a:fld>
             <a:endParaRPr kumimoji="1" lang="ja-JP" altLang="en-US"/>
           </a:p>
@@ -2374,7 +2381,7 @@
           <a:p>
             <a:fld id="{0FAD0BDF-1753-44A8-968A-BEB28A0FEFFF}" type="datetimeFigureOut">
               <a:rPr kumimoji="1" lang="ja-JP" altLang="en-US" smtClean="0"/>
-              <a:t>2017/7/24</a:t>
+              <a:t>2017/7/25</a:t>
             </a:fld>
             <a:endParaRPr kumimoji="1" lang="ja-JP" altLang="en-US"/>
           </a:p>
@@ -2631,7 +2638,7 @@
           <a:p>
             <a:fld id="{0FAD0BDF-1753-44A8-968A-BEB28A0FEFFF}" type="datetimeFigureOut">
               <a:rPr kumimoji="1" lang="ja-JP" altLang="en-US" smtClean="0"/>
-              <a:t>2017/7/24</a:t>
+              <a:t>2017/7/25</a:t>
             </a:fld>
             <a:endParaRPr kumimoji="1" lang="ja-JP" altLang="en-US"/>
           </a:p>
@@ -2876,7 +2883,7 @@
           <a:p>
             <a:fld id="{0FAD0BDF-1753-44A8-968A-BEB28A0FEFFF}" type="datetimeFigureOut">
               <a:rPr kumimoji="1" lang="ja-JP" altLang="en-US" smtClean="0"/>
-              <a:t>2017/7/24</a:t>
+              <a:t>2017/7/25</a:t>
             </a:fld>
             <a:endParaRPr kumimoji="1" lang="ja-JP" altLang="en-US"/>
           </a:p>
@@ -3366,6 +3373,158 @@
 </p:sld>
 </file>
 
+<file path=ppt/slides/slide10.xml><?xml version="1.0" encoding="utf-8"?>
+<p:sld xmlns:a="http://schemas.openxmlformats.org/drawingml/2006/main" xmlns:r="http://schemas.openxmlformats.org/officeDocument/2006/relationships" xmlns:p="http://schemas.openxmlformats.org/presentationml/2006/main">
+  <p:cSld>
+    <p:spTree>
+      <p:nvGrpSpPr>
+        <p:cNvPr id="1" name=""/>
+        <p:cNvGrpSpPr/>
+        <p:nvPr/>
+      </p:nvGrpSpPr>
+      <p:grpSpPr>
+        <a:xfrm>
+          <a:off x="0" y="0"/>
+          <a:ext cx="0" cy="0"/>
+          <a:chOff x="0" y="0"/>
+          <a:chExt cx="0" cy="0"/>
+        </a:xfrm>
+      </p:grpSpPr>
+      <p:sp>
+        <p:nvSpPr>
+          <p:cNvPr id="2" name="タイトル 1"/>
+          <p:cNvSpPr>
+            <a:spLocks noGrp="1"/>
+          </p:cNvSpPr>
+          <p:nvPr>
+            <p:ph type="title"/>
+          </p:nvPr>
+        </p:nvSpPr>
+        <p:spPr/>
+        <p:txBody>
+          <a:bodyPr/>
+          <a:lstStyle/>
+          <a:p>
+            <a:r>
+              <a:rPr kumimoji="1" lang="ja-JP" altLang="en-US" dirty="0" smtClean="0"/>
+              <a:t>オブザーバの極による比較</a:t>
+            </a:r>
+            <a:r>
+              <a:rPr lang="en-US" altLang="ja-JP" b="0" dirty="0" smtClean="0"/>
+              <a:t>(r)</a:t>
+            </a:r>
+            <a:endParaRPr kumimoji="1" lang="ja-JP" altLang="en-US" b="0" dirty="0"/>
+          </a:p>
+        </p:txBody>
+      </p:sp>
+      <p:sp>
+        <p:nvSpPr>
+          <p:cNvPr id="3" name="コンテンツ プレースホルダー 2"/>
+          <p:cNvSpPr>
+            <a:spLocks noGrp="1"/>
+          </p:cNvSpPr>
+          <p:nvPr>
+            <p:ph idx="1"/>
+          </p:nvPr>
+        </p:nvSpPr>
+        <p:spPr/>
+        <p:txBody>
+          <a:bodyPr/>
+          <a:lstStyle/>
+          <a:p>
+            <a:endParaRPr kumimoji="1" lang="ja-JP" altLang="en-US" dirty="0"/>
+          </a:p>
+        </p:txBody>
+      </p:sp>
+    </p:spTree>
+    <p:extLst>
+      <p:ext uri="{BB962C8B-B14F-4D97-AF65-F5344CB8AC3E}">
+        <p14:creationId xmlns:p14="http://schemas.microsoft.com/office/powerpoint/2010/main" val="4196417643"/>
+      </p:ext>
+    </p:extLst>
+  </p:cSld>
+  <p:clrMapOvr>
+    <a:masterClrMapping/>
+  </p:clrMapOvr>
+</p:sld>
+</file>
+
+<file path=ppt/slides/slide11.xml><?xml version="1.0" encoding="utf-8"?>
+<p:sld xmlns:a="http://schemas.openxmlformats.org/drawingml/2006/main" xmlns:r="http://schemas.openxmlformats.org/officeDocument/2006/relationships" xmlns:p="http://schemas.openxmlformats.org/presentationml/2006/main">
+  <p:cSld>
+    <p:spTree>
+      <p:nvGrpSpPr>
+        <p:cNvPr id="1" name=""/>
+        <p:cNvGrpSpPr/>
+        <p:nvPr/>
+      </p:nvGrpSpPr>
+      <p:grpSpPr>
+        <a:xfrm>
+          <a:off x="0" y="0"/>
+          <a:ext cx="0" cy="0"/>
+          <a:chOff x="0" y="0"/>
+          <a:chExt cx="0" cy="0"/>
+        </a:xfrm>
+      </p:grpSpPr>
+      <p:sp>
+        <p:nvSpPr>
+          <p:cNvPr id="2" name="タイトル 1"/>
+          <p:cNvSpPr>
+            <a:spLocks noGrp="1"/>
+          </p:cNvSpPr>
+          <p:nvPr>
+            <p:ph type="title"/>
+          </p:nvPr>
+        </p:nvSpPr>
+        <p:spPr/>
+        <p:txBody>
+          <a:bodyPr/>
+          <a:lstStyle/>
+          <a:p>
+            <a:r>
+              <a:rPr lang="ja-JP" altLang="en-US" dirty="0"/>
+              <a:t>オブザーバの極による比較</a:t>
+            </a:r>
+            <a:r>
+              <a:rPr lang="en-US" altLang="ja-JP" b="0" smtClean="0"/>
+              <a:t>(theta)</a:t>
+            </a:r>
+            <a:endParaRPr kumimoji="1" lang="ja-JP" altLang="en-US" dirty="0"/>
+          </a:p>
+        </p:txBody>
+      </p:sp>
+      <p:sp>
+        <p:nvSpPr>
+          <p:cNvPr id="3" name="コンテンツ プレースホルダー 2"/>
+          <p:cNvSpPr>
+            <a:spLocks noGrp="1"/>
+          </p:cNvSpPr>
+          <p:nvPr>
+            <p:ph idx="1"/>
+          </p:nvPr>
+        </p:nvSpPr>
+        <p:spPr/>
+        <p:txBody>
+          <a:bodyPr/>
+          <a:lstStyle/>
+          <a:p>
+            <a:endParaRPr kumimoji="1" lang="ja-JP" altLang="en-US"/>
+          </a:p>
+        </p:txBody>
+      </p:sp>
+    </p:spTree>
+    <p:extLst>
+      <p:ext uri="{BB962C8B-B14F-4D97-AF65-F5344CB8AC3E}">
+        <p14:creationId xmlns:p14="http://schemas.microsoft.com/office/powerpoint/2010/main" val="3099206913"/>
+      </p:ext>
+    </p:extLst>
+  </p:cSld>
+  <p:clrMapOvr>
+    <a:masterClrMapping/>
+  </p:clrMapOvr>
+</p:sld>
+</file>
+
 <file path=ppt/slides/slide2.xml><?xml version="1.0" encoding="utf-8"?>
 <p:sld xmlns:a="http://schemas.openxmlformats.org/drawingml/2006/main" xmlns:r="http://schemas.openxmlformats.org/officeDocument/2006/relationships" xmlns:p="http://schemas.openxmlformats.org/presentationml/2006/main">
   <p:cSld>
@@ -3465,12 +3624,93 @@
               <a:rPr lang="ja-JP" altLang="en-US" dirty="0" smtClean="0"/>
               <a:t>シミュレーション</a:t>
             </a:r>
+            <a:endParaRPr lang="en-US" altLang="ja-JP" dirty="0"/>
+          </a:p>
+          <a:p>
+            <a:pPr marL="0" indent="0">
+              <a:buNone/>
+            </a:pPr>
+            <a:r>
+              <a:rPr lang="en-US" altLang="ja-JP" dirty="0"/>
+              <a:t> </a:t>
+            </a:r>
+            <a:r>
+              <a:rPr lang="en-US" altLang="ja-JP" dirty="0" smtClean="0"/>
+              <a:t>   </a:t>
+            </a:r>
+            <a:r>
+              <a:rPr lang="en-US" altLang="ja-JP" dirty="0" smtClean="0"/>
+              <a:t>(</a:t>
+            </a:r>
+            <a:r>
+              <a:rPr lang="ja-JP" altLang="en-US" dirty="0" smtClean="0"/>
+              <a:t>重み行列</a:t>
+            </a:r>
+            <a:r>
+              <a:rPr lang="en-US" altLang="ja-JP" dirty="0" smtClean="0"/>
+              <a:t>, </a:t>
+            </a:r>
+            <a:r>
+              <a:rPr lang="ja-JP" altLang="en-US" dirty="0" smtClean="0"/>
+              <a:t>オブザーバの極</a:t>
+            </a:r>
+            <a:r>
+              <a:rPr lang="en-US" altLang="ja-JP" dirty="0" smtClean="0"/>
+              <a:t>, </a:t>
+            </a:r>
+            <a:r>
+              <a:rPr lang="ja-JP" altLang="en-US" dirty="0" smtClean="0"/>
+              <a:t>サンプリング周期</a:t>
+            </a:r>
+            <a:r>
+              <a:rPr lang="en-US" altLang="ja-JP" dirty="0" smtClean="0"/>
+              <a:t>)</a:t>
+            </a:r>
             <a:endParaRPr lang="en-US" altLang="ja-JP" dirty="0" smtClean="0"/>
           </a:p>
           <a:p>
             <a:r>
               <a:rPr kumimoji="1" lang="ja-JP" altLang="en-US" dirty="0" smtClean="0"/>
-              <a:t>目標値変更のシミュレーション</a:t>
+              <a:t>目標値変更の</a:t>
+            </a:r>
+            <a:r>
+              <a:rPr kumimoji="1" lang="ja-JP" altLang="en-US" dirty="0" smtClean="0"/>
+              <a:t>シミュレーション</a:t>
+            </a:r>
+            <a:endParaRPr kumimoji="1" lang="en-US" altLang="ja-JP" dirty="0" smtClean="0"/>
+          </a:p>
+          <a:p>
+            <a:r>
+              <a:rPr lang="en-US" altLang="ja-JP" dirty="0"/>
+              <a:t> </a:t>
+            </a:r>
+            <a:r>
+              <a:rPr lang="en-US" altLang="ja-JP" dirty="0" smtClean="0"/>
+              <a:t> (</a:t>
+            </a:r>
+            <a:r>
+              <a:rPr lang="ja-JP" altLang="en-US" dirty="0" smtClean="0"/>
+              <a:t>重み行列</a:t>
+            </a:r>
+            <a:r>
+              <a:rPr lang="en-US" altLang="ja-JP" dirty="0"/>
+              <a:t>, </a:t>
+            </a:r>
+            <a:r>
+              <a:rPr lang="ja-JP" altLang="en-US" dirty="0"/>
+              <a:t>オブザーバの極</a:t>
+            </a:r>
+            <a:r>
+              <a:rPr lang="en-US" altLang="ja-JP" dirty="0"/>
+              <a:t>, </a:t>
+            </a:r>
+            <a:r>
+              <a:rPr lang="ja-JP" altLang="en-US" dirty="0"/>
+              <a:t>サンプリング周期</a:t>
+            </a:r>
+            <a:r>
+              <a:rPr lang="en-US" altLang="ja-JP" dirty="0" smtClean="0"/>
+              <a:t>)</a:t>
             </a:r>
             <a:endParaRPr kumimoji="1" lang="en-US" altLang="ja-JP" dirty="0" smtClean="0"/>
           </a:p>
@@ -3513,8 +3753,8 @@
           <a:chExt cx="0" cy="0"/>
         </a:xfrm>
       </p:grpSpPr>
-      <mc:AlternateContent xmlns:mc="http://schemas.openxmlformats.org/markup-compatibility/2006">
-        <mc:Choice xmlns:a14="http://schemas.microsoft.com/office/drawing/2010/main" Requires="a14">
+      <mc:AlternateContent xmlns:mc="http://schemas.openxmlformats.org/markup-compatibility/2006" xmlns:a14="http://schemas.microsoft.com/office/drawing/2010/main">
+        <mc:Choice Requires="a14">
           <p:sp>
             <p:nvSpPr>
               <p:cNvPr id="2" name="タイトル 1"/>
@@ -3575,7 +3815,7 @@
             </p:txBody>
           </p:sp>
         </mc:Choice>
-        <mc:Fallback>
+        <mc:Fallback xmlns="">
           <p:sp>
             <p:nvSpPr>
               <p:cNvPr id="2" name="タイトル 1"/>
@@ -3611,16 +3851,14 @@
       </mc:AlternateContent>
       <p:pic>
         <p:nvPicPr>
-          <p:cNvPr id="4" name="コンテンツ プレースホルダー 3"/>
+          <p:cNvPr id="5" name="図 4"/>
           <p:cNvPicPr>
-            <a:picLocks noGrp="1" noChangeAspect="1"/>
+            <a:picLocks noChangeAspect="1"/>
           </p:cNvPicPr>
-          <p:nvPr>
-            <p:ph idx="1"/>
-          </p:nvPr>
+          <p:nvPr/>
         </p:nvPicPr>
         <p:blipFill>
-          <a:blip r:embed="rId3" cstate="print">
+          <a:blip r:embed="rId3">
             <a:extLst>
               <a:ext uri="{28A0092B-C50C-407E-A947-70E740481C1C}">
                 <a14:useLocalDpi xmlns:a14="http://schemas.microsoft.com/office/drawing/2010/main" val="0"/>
@@ -3633,21 +3871,26 @@
         </p:blipFill>
         <p:spPr>
           <a:xfrm>
-            <a:off x="577443" y="1252841"/>
-            <a:ext cx="7886700" cy="3995792"/>
+            <a:off x="2105333" y="5930171"/>
+            <a:ext cx="4933333" cy="352381"/>
           </a:xfrm>
+          <a:prstGeom prst="rect">
+            <a:avLst/>
+          </a:prstGeom>
         </p:spPr>
       </p:pic>
       <p:pic>
         <p:nvPicPr>
-          <p:cNvPr id="5" name="図 4"/>
+          <p:cNvPr id="17" name="コンテンツ プレースホルダー 16"/>
           <p:cNvPicPr>
-            <a:picLocks noChangeAspect="1"/>
+            <a:picLocks noGrp="1" noChangeAspect="1"/>
           </p:cNvPicPr>
-          <p:nvPr/>
+          <p:nvPr>
+            <p:ph idx="1"/>
+          </p:nvPr>
         </p:nvPicPr>
         <p:blipFill>
-          <a:blip r:embed="rId4">
+          <a:blip r:embed="rId4" cstate="print">
             <a:extLst>
               <a:ext uri="{28A0092B-C50C-407E-A947-70E740481C1C}">
                 <a14:useLocalDpi xmlns:a14="http://schemas.microsoft.com/office/drawing/2010/main" val="0"/>
@@ -3660,12 +3903,9 @@
         </p:blipFill>
         <p:spPr>
           <a:xfrm>
-            <a:off x="2105333" y="5718031"/>
-            <a:ext cx="4933333" cy="352381"/>
+            <a:off x="1016812" y="1120550"/>
+            <a:ext cx="6942125" cy="4695627"/>
           </a:xfrm>
-          <a:prstGeom prst="rect">
-            <a:avLst/>
-          </a:prstGeom>
         </p:spPr>
       </p:pic>
     </p:spTree>
@@ -3698,8 +3938,8 @@
           <a:chExt cx="0" cy="0"/>
         </a:xfrm>
       </p:grpSpPr>
-      <mc:AlternateContent xmlns:mc="http://schemas.openxmlformats.org/markup-compatibility/2006">
-        <mc:Choice xmlns:a14="http://schemas.microsoft.com/office/drawing/2010/main" Requires="a14">
+      <mc:AlternateContent xmlns:mc="http://schemas.openxmlformats.org/markup-compatibility/2006" xmlns:a14="http://schemas.microsoft.com/office/drawing/2010/main">
+        <mc:Choice Requires="a14">
           <p:sp>
             <p:nvSpPr>
               <p:cNvPr id="2" name="タイトル 1"/>
@@ -3760,7 +4000,7 @@
             </p:txBody>
           </p:sp>
         </mc:Choice>
-        <mc:Fallback>
+        <mc:Fallback xmlns="">
           <p:sp>
             <p:nvSpPr>
               <p:cNvPr id="2" name="タイトル 1"/>
@@ -3794,25 +4034,65 @@
           </p:sp>
         </mc:Fallback>
       </mc:AlternateContent>
-      <p:sp>
-        <p:nvSpPr>
-          <p:cNvPr id="3" name="コンテンツ プレースホルダー 2"/>
-          <p:cNvSpPr>
-            <a:spLocks noGrp="1"/>
-          </p:cNvSpPr>
+      <p:pic>
+        <p:nvPicPr>
+          <p:cNvPr id="5" name="図 4"/>
+          <p:cNvPicPr>
+            <a:picLocks noChangeAspect="1"/>
+          </p:cNvPicPr>
+          <p:nvPr/>
+        </p:nvPicPr>
+        <p:blipFill>
+          <a:blip r:embed="rId3">
+            <a:extLst>
+              <a:ext uri="{28A0092B-C50C-407E-A947-70E740481C1C}">
+                <a14:useLocalDpi xmlns:a14="http://schemas.microsoft.com/office/drawing/2010/main" val="0"/>
+              </a:ext>
+            </a:extLst>
+          </a:blip>
+          <a:stretch>
+            <a:fillRect/>
+          </a:stretch>
+        </p:blipFill>
+        <p:spPr>
+          <a:xfrm>
+            <a:off x="2933905" y="5791183"/>
+            <a:ext cx="3276190" cy="352381"/>
+          </a:xfrm>
+          <a:prstGeom prst="rect">
+            <a:avLst/>
+          </a:prstGeom>
+        </p:spPr>
+      </p:pic>
+      <p:pic>
+        <p:nvPicPr>
+          <p:cNvPr id="9" name="コンテンツ プレースホルダー 8"/>
+          <p:cNvPicPr>
+            <a:picLocks noGrp="1" noChangeAspect="1"/>
+          </p:cNvPicPr>
           <p:nvPr>
             <p:ph idx="1"/>
           </p:nvPr>
-        </p:nvSpPr>
-        <p:spPr/>
-        <p:txBody>
-          <a:bodyPr/>
-          <a:lstStyle/>
-          <a:p>
-            <a:endParaRPr kumimoji="1" lang="ja-JP" altLang="en-US"/>
-          </a:p>
-        </p:txBody>
-      </p:sp>
+        </p:nvPicPr>
+        <p:blipFill>
+          <a:blip r:embed="rId4" cstate="print">
+            <a:extLst>
+              <a:ext uri="{28A0092B-C50C-407E-A947-70E740481C1C}">
+                <a14:useLocalDpi xmlns:a14="http://schemas.microsoft.com/office/drawing/2010/main" val="0"/>
+              </a:ext>
+            </a:extLst>
+          </a:blip>
+          <a:stretch>
+            <a:fillRect/>
+          </a:stretch>
+        </p:blipFill>
+        <p:spPr>
+          <a:xfrm>
+            <a:off x="1207007" y="1253687"/>
+            <a:ext cx="6576365" cy="4352544"/>
+          </a:xfrm>
+        </p:spPr>
+      </p:pic>
     </p:spTree>
     <p:extLst>
       <p:ext uri="{BB962C8B-B14F-4D97-AF65-F5344CB8AC3E}">
@@ -3843,8 +4123,8 @@
           <a:chExt cx="0" cy="0"/>
         </a:xfrm>
       </p:grpSpPr>
-      <mc:AlternateContent xmlns:mc="http://schemas.openxmlformats.org/markup-compatibility/2006">
-        <mc:Choice xmlns:a14="http://schemas.microsoft.com/office/drawing/2010/main" Requires="a14">
+      <mc:AlternateContent xmlns:mc="http://schemas.openxmlformats.org/markup-compatibility/2006" xmlns:a14="http://schemas.microsoft.com/office/drawing/2010/main">
+        <mc:Choice Requires="a14">
           <p:sp>
             <p:nvSpPr>
               <p:cNvPr id="2" name="タイトル 1"/>
@@ -3893,7 +4173,7 @@
             </p:txBody>
           </p:sp>
         </mc:Choice>
-        <mc:Fallback>
+        <mc:Fallback xmlns="">
           <p:sp>
             <p:nvSpPr>
               <p:cNvPr id="2" name="タイトル 1"/>
@@ -3929,35 +4209,6 @@
       </mc:AlternateContent>
       <p:pic>
         <p:nvPicPr>
-          <p:cNvPr id="5" name="コンテンツ プレースホルダー 4"/>
-          <p:cNvPicPr>
-            <a:picLocks noGrp="1" noChangeAspect="1"/>
-          </p:cNvPicPr>
-          <p:nvPr>
-            <p:ph idx="1"/>
-          </p:nvPr>
-        </p:nvPicPr>
-        <p:blipFill>
-          <a:blip r:embed="rId3" cstate="print">
-            <a:extLst>
-              <a:ext uri="{28A0092B-C50C-407E-A947-70E740481C1C}">
-                <a14:useLocalDpi xmlns:a14="http://schemas.microsoft.com/office/drawing/2010/main" val="0"/>
-              </a:ext>
-            </a:extLst>
-          </a:blip>
-          <a:stretch>
-            <a:fillRect/>
-          </a:stretch>
-        </p:blipFill>
-        <p:spPr>
-          <a:xfrm>
-            <a:off x="628650" y="1611285"/>
-            <a:ext cx="7886700" cy="3995792"/>
-          </a:xfrm>
-        </p:spPr>
-      </p:pic>
-      <p:pic>
-        <p:nvPicPr>
           <p:cNvPr id="6" name="図 5"/>
           <p:cNvPicPr>
             <a:picLocks noChangeAspect="1"/>
@@ -3965,7 +4216,7 @@
           <p:nvPr/>
         </p:nvPicPr>
         <p:blipFill>
-          <a:blip r:embed="rId4">
+          <a:blip r:embed="rId3">
             <a:extLst>
               <a:ext uri="{28A0092B-C50C-407E-A947-70E740481C1C}">
                 <a14:useLocalDpi xmlns:a14="http://schemas.microsoft.com/office/drawing/2010/main" val="0"/>
@@ -3984,6 +4235,35 @@
           <a:prstGeom prst="rect">
             <a:avLst/>
           </a:prstGeom>
+        </p:spPr>
+      </p:pic>
+      <p:pic>
+        <p:nvPicPr>
+          <p:cNvPr id="10" name="コンテンツ プレースホルダー 9"/>
+          <p:cNvPicPr>
+            <a:picLocks noGrp="1" noChangeAspect="1"/>
+          </p:cNvPicPr>
+          <p:nvPr>
+            <p:ph idx="1"/>
+          </p:nvPr>
+        </p:nvPicPr>
+        <p:blipFill>
+          <a:blip r:embed="rId4" cstate="print">
+            <a:extLst>
+              <a:ext uri="{28A0092B-C50C-407E-A947-70E740481C1C}">
+                <a14:useLocalDpi xmlns:a14="http://schemas.microsoft.com/office/drawing/2010/main" val="0"/>
+              </a:ext>
+            </a:extLst>
+          </a:blip>
+          <a:stretch>
+            <a:fillRect/>
+          </a:stretch>
+        </p:blipFill>
+        <p:spPr>
+          <a:xfrm>
+            <a:off x="1002181" y="1110308"/>
+            <a:ext cx="6956757" cy="4651045"/>
+          </a:xfrm>
         </p:spPr>
       </p:pic>
     </p:spTree>
@@ -4031,142 +4311,6 @@
           <a:bodyPr/>
           <a:lstStyle/>
           <a:p>
-            <a:endParaRPr kumimoji="1" lang="ja-JP" altLang="en-US"/>
-          </a:p>
-        </p:txBody>
-      </p:sp>
-      <p:sp>
-        <p:nvSpPr>
-          <p:cNvPr id="3" name="コンテンツ プレースホルダー 2"/>
-          <p:cNvSpPr>
-            <a:spLocks noGrp="1"/>
-          </p:cNvSpPr>
-          <p:nvPr>
-            <p:ph idx="1"/>
-          </p:nvPr>
-        </p:nvSpPr>
-        <p:spPr/>
-        <p:txBody>
-          <a:bodyPr/>
-          <a:lstStyle/>
-          <a:p>
-            <a:endParaRPr kumimoji="1" lang="ja-JP" altLang="en-US"/>
-          </a:p>
-        </p:txBody>
-      </p:sp>
-    </p:spTree>
-    <p:extLst>
-      <p:ext uri="{BB962C8B-B14F-4D97-AF65-F5344CB8AC3E}">
-        <p14:creationId xmlns:p14="http://schemas.microsoft.com/office/powerpoint/2010/main" val="210465248"/>
-      </p:ext>
-    </p:extLst>
-  </p:cSld>
-  <p:clrMapOvr>
-    <a:masterClrMapping/>
-  </p:clrMapOvr>
-</p:sld>
-</file>
-
-<file path=ppt/slides/slide7.xml><?xml version="1.0" encoding="utf-8"?>
-<p:sld xmlns:a="http://schemas.openxmlformats.org/drawingml/2006/main" xmlns:r="http://schemas.openxmlformats.org/officeDocument/2006/relationships" xmlns:p="http://schemas.openxmlformats.org/presentationml/2006/main">
-  <p:cSld>
-    <p:spTree>
-      <p:nvGrpSpPr>
-        <p:cNvPr id="1" name=""/>
-        <p:cNvGrpSpPr/>
-        <p:nvPr/>
-      </p:nvGrpSpPr>
-      <p:grpSpPr>
-        <a:xfrm>
-          <a:off x="0" y="0"/>
-          <a:ext cx="0" cy="0"/>
-          <a:chOff x="0" y="0"/>
-          <a:chExt cx="0" cy="0"/>
-        </a:xfrm>
-      </p:grpSpPr>
-      <p:sp>
-        <p:nvSpPr>
-          <p:cNvPr id="2" name="タイトル 1"/>
-          <p:cNvSpPr>
-            <a:spLocks noGrp="1"/>
-          </p:cNvSpPr>
-          <p:nvPr>
-            <p:ph type="title"/>
-          </p:nvPr>
-        </p:nvSpPr>
-        <p:spPr/>
-        <p:txBody>
-          <a:bodyPr/>
-          <a:lstStyle/>
-          <a:p>
-            <a:endParaRPr kumimoji="1" lang="ja-JP" altLang="en-US"/>
-          </a:p>
-        </p:txBody>
-      </p:sp>
-      <p:sp>
-        <p:nvSpPr>
-          <p:cNvPr id="3" name="コンテンツ プレースホルダー 2"/>
-          <p:cNvSpPr>
-            <a:spLocks noGrp="1"/>
-          </p:cNvSpPr>
-          <p:nvPr>
-            <p:ph idx="1"/>
-          </p:nvPr>
-        </p:nvSpPr>
-        <p:spPr/>
-        <p:txBody>
-          <a:bodyPr/>
-          <a:lstStyle/>
-          <a:p>
-            <a:endParaRPr kumimoji="1" lang="ja-JP" altLang="en-US"/>
-          </a:p>
-        </p:txBody>
-      </p:sp>
-    </p:spTree>
-    <p:extLst>
-      <p:ext uri="{BB962C8B-B14F-4D97-AF65-F5344CB8AC3E}">
-        <p14:creationId xmlns:p14="http://schemas.microsoft.com/office/powerpoint/2010/main" val="260599442"/>
-      </p:ext>
-    </p:extLst>
-  </p:cSld>
-  <p:clrMapOvr>
-    <a:masterClrMapping/>
-  </p:clrMapOvr>
-</p:sld>
-</file>
-
-<file path=ppt/slides/slide8.xml><?xml version="1.0" encoding="utf-8"?>
-<p:sld xmlns:a="http://schemas.openxmlformats.org/drawingml/2006/main" xmlns:r="http://schemas.openxmlformats.org/officeDocument/2006/relationships" xmlns:p="http://schemas.openxmlformats.org/presentationml/2006/main">
-  <p:cSld>
-    <p:spTree>
-      <p:nvGrpSpPr>
-        <p:cNvPr id="1" name=""/>
-        <p:cNvGrpSpPr/>
-        <p:nvPr/>
-      </p:nvGrpSpPr>
-      <p:grpSpPr>
-        <a:xfrm>
-          <a:off x="0" y="0"/>
-          <a:ext cx="0" cy="0"/>
-          <a:chOff x="0" y="0"/>
-          <a:chExt cx="0" cy="0"/>
-        </a:xfrm>
-      </p:grpSpPr>
-      <p:sp>
-        <p:nvSpPr>
-          <p:cNvPr id="2" name="タイトル 1"/>
-          <p:cNvSpPr>
-            <a:spLocks noGrp="1"/>
-          </p:cNvSpPr>
-          <p:nvPr>
-            <p:ph type="title"/>
-          </p:nvPr>
-        </p:nvSpPr>
-        <p:spPr/>
-        <p:txBody>
-          <a:bodyPr/>
-          <a:lstStyle/>
-          <a:p>
             <a:r>
               <a:rPr kumimoji="1" lang="ja-JP" altLang="en-US" dirty="0" smtClean="0"/>
               <a:t>決定した物理パラメータ</a:t>
@@ -4175,8 +4319,8 @@
           </a:p>
         </p:txBody>
       </p:sp>
-      <mc:AlternateContent xmlns:mc="http://schemas.openxmlformats.org/markup-compatibility/2006">
-        <mc:Choice xmlns:a14="http://schemas.microsoft.com/office/drawing/2010/main" Requires="a14">
+      <mc:AlternateContent xmlns:mc="http://schemas.openxmlformats.org/markup-compatibility/2006" xmlns:a14="http://schemas.microsoft.com/office/drawing/2010/main">
+        <mc:Choice Requires="a14">
           <p:graphicFrame>
             <p:nvGraphicFramePr>
               <p:cNvPr id="4" name="コンテンツ プレースホルダー 3"/>
@@ -4492,7 +4636,7 @@
             </a:graphic>
           </p:graphicFrame>
         </mc:Choice>
-        <mc:Fallback>
+        <mc:Fallback xmlns="">
           <p:graphicFrame>
             <p:nvGraphicFramePr>
               <p:cNvPr id="4" name="コンテンツ プレースホルダー 3"/>
@@ -4775,8 +4919,8 @@
           </p:graphicFrame>
         </mc:Fallback>
       </mc:AlternateContent>
-      <mc:AlternateContent xmlns:mc="http://schemas.openxmlformats.org/markup-compatibility/2006">
-        <mc:Choice xmlns:a14="http://schemas.microsoft.com/office/drawing/2010/main" Requires="a14">
+      <mc:AlternateContent xmlns:mc="http://schemas.openxmlformats.org/markup-compatibility/2006" xmlns:a14="http://schemas.microsoft.com/office/drawing/2010/main">
+        <mc:Choice Requires="a14">
           <p:graphicFrame>
             <p:nvGraphicFramePr>
               <p:cNvPr id="5" name="表 4"/>
@@ -4846,15 +4990,7 @@
                                 <a:schemeClr val="tx1"/>
                               </a:solidFill>
                             </a:rPr>
-                            <a:t>C[k</a:t>
-                          </a:r>
-                          <a:r>
-                            <a:rPr kumimoji="1" lang="en-US" altLang="ja-JP" sz="3600" b="0" dirty="0" smtClean="0">
-                              <a:solidFill>
-                                <a:schemeClr val="tx1"/>
-                              </a:solidFill>
-                            </a:rPr>
-                            <a:t>g</a:t>
+                            <a:t>C[kg</a:t>
                           </a:r>
                           <a14:m>
                             <m:oMath xmlns:m="http://schemas.openxmlformats.org/officeDocument/2006/math">
@@ -5000,7 +5136,7 @@
                               <m:sSub>
                                 <m:sSubPr>
                                   <m:ctrlPr>
-                                    <a:rPr kumimoji="1" lang="en-US" altLang="ja-JP" sz="3600" b="0" i="0" smtClean="0">
+                                    <a:rPr kumimoji="1" lang="en-US" altLang="ja-JP" sz="3600" b="0" i="1" smtClean="0">
                                       <a:latin typeface="Cambria Math" panose="02040503050406030204" pitchFamily="18" charset="0"/>
                                     </a:rPr>
                                   </m:ctrlPr>
@@ -5142,7 +5278,7 @@
                               <m:sSup>
                                 <m:sSupPr>
                                   <m:ctrlPr>
-                                    <a:rPr kumimoji="1" lang="en-US" altLang="ja-JP" sz="3600" b="0" i="0" smtClean="0">
+                                    <a:rPr kumimoji="1" lang="en-US" altLang="ja-JP" sz="3600" b="0" i="1" smtClean="0">
                                       <a:latin typeface="Cambria Math" panose="02040503050406030204" pitchFamily="18" charset="0"/>
                                     </a:rPr>
                                   </m:ctrlPr>
@@ -5204,7 +5340,7 @@
             </a:graphic>
           </p:graphicFrame>
         </mc:Choice>
-        <mc:Fallback>
+        <mc:Fallback xmlns="">
           <p:graphicFrame>
             <p:nvGraphicFramePr>
               <p:cNvPr id="5" name="表 4"/>
@@ -5469,6 +5605,307 @@
 </p:sld>
 </file>
 
+<file path=ppt/slides/slide7.xml><?xml version="1.0" encoding="utf-8"?>
+<p:sld xmlns:a="http://schemas.openxmlformats.org/drawingml/2006/main" xmlns:r="http://schemas.openxmlformats.org/officeDocument/2006/relationships" xmlns:p="http://schemas.openxmlformats.org/presentationml/2006/main">
+  <p:cSld>
+    <p:spTree>
+      <p:nvGrpSpPr>
+        <p:cNvPr id="1" name=""/>
+        <p:cNvGrpSpPr/>
+        <p:nvPr/>
+      </p:nvGrpSpPr>
+      <p:grpSpPr>
+        <a:xfrm>
+          <a:off x="0" y="0"/>
+          <a:ext cx="0" cy="0"/>
+          <a:chOff x="0" y="0"/>
+          <a:chExt cx="0" cy="0"/>
+        </a:xfrm>
+      </p:grpSpPr>
+      <p:sp>
+        <p:nvSpPr>
+          <p:cNvPr id="2" name="タイトル 1"/>
+          <p:cNvSpPr>
+            <a:spLocks noGrp="1"/>
+          </p:cNvSpPr>
+          <p:nvPr>
+            <p:ph type="title"/>
+          </p:nvPr>
+        </p:nvSpPr>
+        <p:spPr/>
+        <p:txBody>
+          <a:bodyPr/>
+          <a:lstStyle/>
+          <a:p>
+            <a:r>
+              <a:rPr kumimoji="1" lang="ja-JP" altLang="en-US" dirty="0" smtClean="0"/>
+              <a:t>シミュレーション</a:t>
+            </a:r>
+            <a:endParaRPr kumimoji="1" lang="ja-JP" altLang="en-US" dirty="0"/>
+          </a:p>
+        </p:txBody>
+      </p:sp>
+      <p:sp>
+        <p:nvSpPr>
+          <p:cNvPr id="3" name="コンテンツ プレースホルダー 2"/>
+          <p:cNvSpPr>
+            <a:spLocks noGrp="1"/>
+          </p:cNvSpPr>
+          <p:nvPr>
+            <p:ph idx="1"/>
+          </p:nvPr>
+        </p:nvSpPr>
+        <p:spPr/>
+        <p:txBody>
+          <a:bodyPr/>
+          <a:lstStyle/>
+          <a:p>
+            <a:pPr marL="0" indent="0">
+              <a:buNone/>
+            </a:pPr>
+            <a:r>
+              <a:rPr kumimoji="1" lang="ja-JP" altLang="en-US" dirty="0" smtClean="0"/>
+              <a:t>シミュレーション使用したパラメータ</a:t>
+            </a:r>
+            <a:endParaRPr kumimoji="1" lang="ja-JP" altLang="en-US" dirty="0"/>
+          </a:p>
+        </p:txBody>
+      </p:sp>
+      <p:pic>
+        <p:nvPicPr>
+          <p:cNvPr id="4" name="図 3"/>
+          <p:cNvPicPr>
+            <a:picLocks noChangeAspect="1"/>
+          </p:cNvPicPr>
+          <p:nvPr/>
+        </p:nvPicPr>
+        <p:blipFill>
+          <a:blip r:embed="rId2">
+            <a:extLst>
+              <a:ext uri="{28A0092B-C50C-407E-A947-70E740481C1C}">
+                <a14:useLocalDpi xmlns:a14="http://schemas.microsoft.com/office/drawing/2010/main" val="0"/>
+              </a:ext>
+            </a:extLst>
+          </a:blip>
+          <a:stretch>
+            <a:fillRect/>
+          </a:stretch>
+        </p:blipFill>
+        <p:spPr>
+          <a:xfrm>
+            <a:off x="453314" y="2096429"/>
+            <a:ext cx="8237372" cy="1860467"/>
+          </a:xfrm>
+          <a:prstGeom prst="rect">
+            <a:avLst/>
+          </a:prstGeom>
+        </p:spPr>
+      </p:pic>
+      <p:sp>
+        <p:nvSpPr>
+          <p:cNvPr id="5" name="テキスト ボックス 4"/>
+          <p:cNvSpPr txBox="1"/>
+          <p:nvPr/>
+        </p:nvSpPr>
+        <p:spPr>
+          <a:xfrm>
+            <a:off x="405333" y="4587155"/>
+            <a:ext cx="7220102" cy="369332"/>
+          </a:xfrm>
+          <a:prstGeom prst="rect">
+            <a:avLst/>
+          </a:prstGeom>
+          <a:noFill/>
+        </p:spPr>
+        <p:txBody>
+          <a:bodyPr wrap="square" rtlCol="0">
+            <a:spAutoFit/>
+          </a:bodyPr>
+          <a:lstStyle/>
+          <a:p>
+            <a:r>
+              <a:rPr kumimoji="1" lang="ja-JP" altLang="en-US" dirty="0" smtClean="0"/>
+              <a:t>基準とする</a:t>
+            </a:r>
+            <a:r>
+              <a:rPr lang="ja-JP" altLang="en-US" dirty="0" smtClean="0"/>
+              <a:t>パラメータはパターン</a:t>
+            </a:r>
+            <a:r>
+              <a:rPr lang="en-US" altLang="ja-JP" dirty="0" smtClean="0"/>
+              <a:t>1</a:t>
+            </a:r>
+            <a:r>
+              <a:rPr lang="ja-JP" altLang="en-US" dirty="0" smtClean="0"/>
+              <a:t>の</a:t>
+            </a:r>
+            <a:r>
+              <a:rPr lang="en-US" altLang="ja-JP" dirty="0" smtClean="0"/>
+              <a:t>,</a:t>
+            </a:r>
+            <a:endParaRPr kumimoji="1" lang="ja-JP" altLang="en-US" dirty="0"/>
+          </a:p>
+        </p:txBody>
+      </p:sp>
+      <p:pic>
+        <p:nvPicPr>
+          <p:cNvPr id="6" name="図 5"/>
+          <p:cNvPicPr>
+            <a:picLocks noChangeAspect="1"/>
+          </p:cNvPicPr>
+          <p:nvPr/>
+        </p:nvPicPr>
+        <p:blipFill>
+          <a:blip r:embed="rId3">
+            <a:extLst>
+              <a:ext uri="{28A0092B-C50C-407E-A947-70E740481C1C}">
+                <a14:useLocalDpi xmlns:a14="http://schemas.microsoft.com/office/drawing/2010/main" val="0"/>
+              </a:ext>
+            </a:extLst>
+          </a:blip>
+          <a:stretch>
+            <a:fillRect/>
+          </a:stretch>
+        </p:blipFill>
+        <p:spPr>
+          <a:xfrm>
+            <a:off x="405333" y="5213194"/>
+            <a:ext cx="8333333" cy="409524"/>
+          </a:xfrm>
+          <a:prstGeom prst="rect">
+            <a:avLst/>
+          </a:prstGeom>
+        </p:spPr>
+      </p:pic>
+    </p:spTree>
+    <p:extLst>
+      <p:ext uri="{BB962C8B-B14F-4D97-AF65-F5344CB8AC3E}">
+        <p14:creationId xmlns:p14="http://schemas.microsoft.com/office/powerpoint/2010/main" val="1238592959"/>
+      </p:ext>
+    </p:extLst>
+  </p:cSld>
+  <p:clrMapOvr>
+    <a:masterClrMapping/>
+  </p:clrMapOvr>
+</p:sld>
+</file>
+
+<file path=ppt/slides/slide8.xml><?xml version="1.0" encoding="utf-8"?>
+<p:sld xmlns:a="http://schemas.openxmlformats.org/drawingml/2006/main" xmlns:r="http://schemas.openxmlformats.org/officeDocument/2006/relationships" xmlns:p="http://schemas.openxmlformats.org/presentationml/2006/main">
+  <p:cSld>
+    <p:spTree>
+      <p:nvGrpSpPr>
+        <p:cNvPr id="1" name=""/>
+        <p:cNvGrpSpPr/>
+        <p:nvPr/>
+      </p:nvGrpSpPr>
+      <p:grpSpPr>
+        <a:xfrm>
+          <a:off x="0" y="0"/>
+          <a:ext cx="0" cy="0"/>
+          <a:chOff x="0" y="0"/>
+          <a:chExt cx="0" cy="0"/>
+        </a:xfrm>
+      </p:grpSpPr>
+      <p:sp>
+        <p:nvSpPr>
+          <p:cNvPr id="2" name="タイトル 1"/>
+          <p:cNvSpPr>
+            <a:spLocks noGrp="1"/>
+          </p:cNvSpPr>
+          <p:nvPr>
+            <p:ph type="title"/>
+          </p:nvPr>
+        </p:nvSpPr>
+        <p:spPr/>
+        <p:txBody>
+          <a:bodyPr/>
+          <a:lstStyle/>
+          <a:p>
+            <a:r>
+              <a:rPr lang="ja-JP" altLang="en-US" dirty="0" smtClean="0"/>
+              <a:t>重み行列による比較</a:t>
+            </a:r>
+            <a:r>
+              <a:rPr lang="en-US" altLang="ja-JP" b="0" dirty="0" smtClean="0"/>
+              <a:t>(r)</a:t>
+            </a:r>
+            <a:endParaRPr kumimoji="1" lang="ja-JP" altLang="en-US" b="0" dirty="0"/>
+          </a:p>
+        </p:txBody>
+      </p:sp>
+      <p:pic>
+        <p:nvPicPr>
+          <p:cNvPr id="8" name="コンテンツ プレースホルダー 7"/>
+          <p:cNvPicPr>
+            <a:picLocks noGrp="1" noChangeAspect="1"/>
+          </p:cNvPicPr>
+          <p:nvPr>
+            <p:ph idx="1"/>
+          </p:nvPr>
+        </p:nvPicPr>
+        <p:blipFill>
+          <a:blip r:embed="rId2" cstate="print">
+            <a:extLst>
+              <a:ext uri="{28A0092B-C50C-407E-A947-70E740481C1C}">
+                <a14:useLocalDpi xmlns:a14="http://schemas.microsoft.com/office/drawing/2010/main" val="0"/>
+              </a:ext>
+            </a:extLst>
+          </a:blip>
+          <a:stretch>
+            <a:fillRect/>
+          </a:stretch>
+        </p:blipFill>
+        <p:spPr>
+          <a:xfrm>
+            <a:off x="874167" y="2378249"/>
+            <a:ext cx="7395665" cy="4318301"/>
+          </a:xfrm>
+        </p:spPr>
+      </p:pic>
+      <p:pic>
+        <p:nvPicPr>
+          <p:cNvPr id="9" name="図 8"/>
+          <p:cNvPicPr>
+            <a:picLocks noChangeAspect="1"/>
+          </p:cNvPicPr>
+          <p:nvPr/>
+        </p:nvPicPr>
+        <p:blipFill>
+          <a:blip r:embed="rId3">
+            <a:extLst>
+              <a:ext uri="{28A0092B-C50C-407E-A947-70E740481C1C}">
+                <a14:useLocalDpi xmlns:a14="http://schemas.microsoft.com/office/drawing/2010/main" val="0"/>
+              </a:ext>
+            </a:extLst>
+          </a:blip>
+          <a:stretch>
+            <a:fillRect/>
+          </a:stretch>
+        </p:blipFill>
+        <p:spPr>
+          <a:xfrm>
+            <a:off x="2100570" y="997902"/>
+            <a:ext cx="4942857" cy="1380347"/>
+          </a:xfrm>
+          <a:prstGeom prst="rect">
+            <a:avLst/>
+          </a:prstGeom>
+        </p:spPr>
+      </p:pic>
+    </p:spTree>
+    <p:extLst>
+      <p:ext uri="{BB962C8B-B14F-4D97-AF65-F5344CB8AC3E}">
+        <p14:creationId xmlns:p14="http://schemas.microsoft.com/office/powerpoint/2010/main" val="2444161531"/>
+      </p:ext>
+    </p:extLst>
+  </p:cSld>
+  <p:clrMapOvr>
+    <a:masterClrMapping/>
+  </p:clrMapOvr>
+</p:sld>
+</file>
+
 <file path=ppt/slides/slide9.xml><?xml version="1.0" encoding="utf-8"?>
 <p:sld xmlns:a="http://schemas.openxmlformats.org/drawingml/2006/main" xmlns:r="http://schemas.openxmlformats.org/officeDocument/2006/relationships" xmlns:p="http://schemas.openxmlformats.org/presentationml/2006/main">
   <p:cSld>
@@ -5501,33 +5938,81 @@
           <a:bodyPr/>
           <a:lstStyle/>
           <a:p>
-            <a:endParaRPr kumimoji="1" lang="ja-JP" altLang="en-US"/>
-          </a:p>
-        </p:txBody>
-      </p:sp>
-      <p:sp>
-        <p:nvSpPr>
-          <p:cNvPr id="3" name="コンテンツ プレースホルダー 2"/>
-          <p:cNvSpPr>
-            <a:spLocks noGrp="1"/>
-          </p:cNvSpPr>
+            <a:r>
+              <a:rPr lang="ja-JP" altLang="en-US" dirty="0"/>
+              <a:t>重み行列による比較</a:t>
+            </a:r>
+            <a:r>
+              <a:rPr lang="en-US" altLang="ja-JP" b="0" dirty="0" smtClean="0"/>
+              <a:t>(theta)</a:t>
+            </a:r>
+            <a:endParaRPr kumimoji="1" lang="ja-JP" altLang="en-US" b="0" dirty="0"/>
+          </a:p>
+        </p:txBody>
+      </p:sp>
+      <p:pic>
+        <p:nvPicPr>
+          <p:cNvPr id="9" name="コンテンツ プレースホルダー 8"/>
+          <p:cNvPicPr>
+            <a:picLocks noGrp="1" noChangeAspect="1"/>
+          </p:cNvPicPr>
           <p:nvPr>
             <p:ph idx="1"/>
           </p:nvPr>
-        </p:nvSpPr>
-        <p:spPr/>
-        <p:txBody>
-          <a:bodyPr/>
-          <a:lstStyle/>
-          <a:p>
-            <a:endParaRPr kumimoji="1" lang="ja-JP" altLang="en-US"/>
-          </a:p>
-        </p:txBody>
-      </p:sp>
+        </p:nvPicPr>
+        <p:blipFill>
+          <a:blip r:embed="rId2">
+            <a:extLst>
+              <a:ext uri="{28A0092B-C50C-407E-A947-70E740481C1C}">
+                <a14:useLocalDpi xmlns:a14="http://schemas.microsoft.com/office/drawing/2010/main" val="0"/>
+              </a:ext>
+            </a:extLst>
+          </a:blip>
+          <a:stretch>
+            <a:fillRect/>
+          </a:stretch>
+        </p:blipFill>
+        <p:spPr>
+          <a:xfrm>
+            <a:off x="2129202" y="974995"/>
+            <a:ext cx="4783662" cy="1373184"/>
+          </a:xfrm>
+        </p:spPr>
+      </p:pic>
+      <p:pic>
+        <p:nvPicPr>
+          <p:cNvPr id="10" name="図 9"/>
+          <p:cNvPicPr>
+            <a:picLocks noChangeAspect="1"/>
+          </p:cNvPicPr>
+          <p:nvPr/>
+        </p:nvPicPr>
+        <p:blipFill>
+          <a:blip r:embed="rId3" cstate="print">
+            <a:extLst>
+              <a:ext uri="{28A0092B-C50C-407E-A947-70E740481C1C}">
+                <a14:useLocalDpi xmlns:a14="http://schemas.microsoft.com/office/drawing/2010/main" val="0"/>
+              </a:ext>
+            </a:extLst>
+          </a:blip>
+          <a:stretch>
+            <a:fillRect/>
+          </a:stretch>
+        </p:blipFill>
+        <p:spPr>
+          <a:xfrm>
+            <a:off x="980237" y="2300557"/>
+            <a:ext cx="7029907" cy="4390949"/>
+          </a:xfrm>
+          <a:prstGeom prst="rect">
+            <a:avLst/>
+          </a:prstGeom>
+        </p:spPr>
+      </p:pic>
     </p:spTree>
     <p:extLst>
       <p:ext uri="{BB962C8B-B14F-4D97-AF65-F5344CB8AC3E}">
-        <p14:creationId xmlns:p14="http://schemas.microsoft.com/office/powerpoint/2010/main" val="1238592959"/>
+        <p14:creationId xmlns:p14="http://schemas.microsoft.com/office/powerpoint/2010/main" val="659410292"/>
       </p:ext>
     </p:extLst>
   </p:cSld>

--- a/presentation/pendulum_experiment.pptx
+++ b/presentation/pendulum_experiment.pptx
@@ -15,7 +15,12 @@
     <p:sldId id="266" r:id="rId9"/>
     <p:sldId id="267" r:id="rId10"/>
     <p:sldId id="268" r:id="rId11"/>
-    <p:sldId id="269" r:id="rId12"/>
+    <p:sldId id="270" r:id="rId12"/>
+    <p:sldId id="271" r:id="rId13"/>
+    <p:sldId id="275" r:id="rId14"/>
+    <p:sldId id="272" r:id="rId15"/>
+    <p:sldId id="273" r:id="rId16"/>
+    <p:sldId id="274" r:id="rId17"/>
   </p:sldIdLst>
   <p:sldSz cx="9144000" cy="6858000" type="screen4x3"/>
   <p:notesSz cx="6858000" cy="9144000"/>
@@ -757,8 +762,8 @@
         </p:nvSpPr>
         <p:spPr>
           <a:xfrm>
-            <a:off x="628650" y="31297"/>
-            <a:ext cx="7886700" cy="1325563"/>
+            <a:off x="628649" y="31297"/>
+            <a:ext cx="8421007" cy="1325563"/>
           </a:xfrm>
         </p:spPr>
         <p:txBody>
@@ -3417,25 +3422,65 @@
           </a:p>
         </p:txBody>
       </p:sp>
-      <p:sp>
-        <p:nvSpPr>
-          <p:cNvPr id="3" name="コンテンツ プレースホルダー 2"/>
-          <p:cNvSpPr>
-            <a:spLocks noGrp="1"/>
-          </p:cNvSpPr>
+      <p:pic>
+        <p:nvPicPr>
+          <p:cNvPr id="5" name="図 4"/>
+          <p:cNvPicPr>
+            <a:picLocks noChangeAspect="1"/>
+          </p:cNvPicPr>
+          <p:nvPr/>
+        </p:nvPicPr>
+        <p:blipFill>
+          <a:blip r:embed="rId2" cstate="print">
+            <a:extLst>
+              <a:ext uri="{28A0092B-C50C-407E-A947-70E740481C1C}">
+                <a14:useLocalDpi xmlns:a14="http://schemas.microsoft.com/office/drawing/2010/main" val="0"/>
+              </a:ext>
+            </a:extLst>
+          </a:blip>
+          <a:stretch>
+            <a:fillRect/>
+          </a:stretch>
+        </p:blipFill>
+        <p:spPr>
+          <a:xfrm>
+            <a:off x="1049731" y="2159021"/>
+            <a:ext cx="6960413" cy="4475865"/>
+          </a:xfrm>
+          <a:prstGeom prst="rect">
+            <a:avLst/>
+          </a:prstGeom>
+        </p:spPr>
+      </p:pic>
+      <p:pic>
+        <p:nvPicPr>
+          <p:cNvPr id="7" name="コンテンツ プレースホルダー 6"/>
+          <p:cNvPicPr>
+            <a:picLocks noGrp="1" noChangeAspect="1"/>
+          </p:cNvPicPr>
           <p:nvPr>
             <p:ph idx="1"/>
           </p:nvPr>
-        </p:nvSpPr>
-        <p:spPr/>
-        <p:txBody>
-          <a:bodyPr/>
-          <a:lstStyle/>
-          <a:p>
-            <a:endParaRPr kumimoji="1" lang="ja-JP" altLang="en-US" dirty="0"/>
-          </a:p>
-        </p:txBody>
-      </p:sp>
+        </p:nvPicPr>
+        <p:blipFill>
+          <a:blip r:embed="rId3">
+            <a:extLst>
+              <a:ext uri="{28A0092B-C50C-407E-A947-70E740481C1C}">
+                <a14:useLocalDpi xmlns:a14="http://schemas.microsoft.com/office/drawing/2010/main" val="0"/>
+              </a:ext>
+            </a:extLst>
+          </a:blip>
+          <a:stretch>
+            <a:fillRect/>
+          </a:stretch>
+        </p:blipFill>
+        <p:spPr>
+          <a:xfrm>
+            <a:off x="1772000" y="976935"/>
+            <a:ext cx="5600000" cy="1314286"/>
+          </a:xfrm>
+        </p:spPr>
+      </p:pic>
     </p:spTree>
     <p:extLst>
       <p:ext uri="{BB962C8B-B14F-4D97-AF65-F5344CB8AC3E}">
@@ -3482,40 +3527,516 @@
           <a:lstStyle/>
           <a:p>
             <a:r>
-              <a:rPr lang="ja-JP" altLang="en-US" dirty="0"/>
+              <a:rPr kumimoji="1" lang="ja-JP" altLang="en-US" dirty="0" smtClean="0"/>
               <a:t>オブザーバの極による比較</a:t>
             </a:r>
             <a:r>
-              <a:rPr lang="en-US" altLang="ja-JP" b="0" smtClean="0"/>
+              <a:rPr lang="en-US" altLang="ja-JP" b="0" dirty="0" smtClean="0"/>
               <a:t>(theta)</a:t>
             </a:r>
-            <a:endParaRPr kumimoji="1" lang="ja-JP" altLang="en-US" dirty="0"/>
-          </a:p>
-        </p:txBody>
-      </p:sp>
-      <p:sp>
-        <p:nvSpPr>
-          <p:cNvPr id="3" name="コンテンツ プレースホルダー 2"/>
-          <p:cNvSpPr>
-            <a:spLocks noGrp="1"/>
-          </p:cNvSpPr>
+            <a:endParaRPr kumimoji="1" lang="ja-JP" altLang="en-US" b="0" dirty="0"/>
+          </a:p>
+        </p:txBody>
+      </p:sp>
+      <p:pic>
+        <p:nvPicPr>
+          <p:cNvPr id="7" name="コンテンツ プレースホルダー 6"/>
+          <p:cNvPicPr>
+            <a:picLocks noGrp="1" noChangeAspect="1"/>
+          </p:cNvPicPr>
           <p:nvPr>
             <p:ph idx="1"/>
           </p:nvPr>
-        </p:nvSpPr>
-        <p:spPr/>
-        <p:txBody>
-          <a:bodyPr/>
-          <a:lstStyle/>
-          <a:p>
-            <a:endParaRPr kumimoji="1" lang="ja-JP" altLang="en-US"/>
-          </a:p>
-        </p:txBody>
-      </p:sp>
+        </p:nvPicPr>
+        <p:blipFill>
+          <a:blip r:embed="rId2">
+            <a:extLst>
+              <a:ext uri="{28A0092B-C50C-407E-A947-70E740481C1C}">
+                <a14:useLocalDpi xmlns:a14="http://schemas.microsoft.com/office/drawing/2010/main" val="0"/>
+              </a:ext>
+            </a:extLst>
+          </a:blip>
+          <a:stretch>
+            <a:fillRect/>
+          </a:stretch>
+        </p:blipFill>
+        <p:spPr>
+          <a:xfrm>
+            <a:off x="1772000" y="976935"/>
+            <a:ext cx="5600000" cy="1314286"/>
+          </a:xfrm>
+        </p:spPr>
+      </p:pic>
+      <p:pic>
+        <p:nvPicPr>
+          <p:cNvPr id="3" name="図 2"/>
+          <p:cNvPicPr>
+            <a:picLocks noChangeAspect="1"/>
+          </p:cNvPicPr>
+          <p:nvPr/>
+        </p:nvPicPr>
+        <p:blipFill>
+          <a:blip r:embed="rId3" cstate="print">
+            <a:extLst>
+              <a:ext uri="{28A0092B-C50C-407E-A947-70E740481C1C}">
+                <a14:useLocalDpi xmlns:a14="http://schemas.microsoft.com/office/drawing/2010/main" val="0"/>
+              </a:ext>
+            </a:extLst>
+          </a:blip>
+          <a:stretch>
+            <a:fillRect/>
+          </a:stretch>
+        </p:blipFill>
+        <p:spPr>
+          <a:xfrm>
+            <a:off x="1166774" y="2291221"/>
+            <a:ext cx="6448349" cy="4513844"/>
+          </a:xfrm>
+          <a:prstGeom prst="rect">
+            <a:avLst/>
+          </a:prstGeom>
+        </p:spPr>
+      </p:pic>
     </p:spTree>
     <p:extLst>
       <p:ext uri="{BB962C8B-B14F-4D97-AF65-F5344CB8AC3E}">
-        <p14:creationId xmlns:p14="http://schemas.microsoft.com/office/powerpoint/2010/main" val="3099206913"/>
+        <p14:creationId xmlns:p14="http://schemas.microsoft.com/office/powerpoint/2010/main" val="3995925151"/>
+      </p:ext>
+    </p:extLst>
+  </p:cSld>
+  <p:clrMapOvr>
+    <a:masterClrMapping/>
+  </p:clrMapOvr>
+</p:sld>
+</file>
+
+<file path=ppt/slides/slide12.xml><?xml version="1.0" encoding="utf-8"?>
+<p:sld xmlns:a="http://schemas.openxmlformats.org/drawingml/2006/main" xmlns:r="http://schemas.openxmlformats.org/officeDocument/2006/relationships" xmlns:p="http://schemas.openxmlformats.org/presentationml/2006/main">
+  <p:cSld>
+    <p:spTree>
+      <p:nvGrpSpPr>
+        <p:cNvPr id="1" name=""/>
+        <p:cNvGrpSpPr/>
+        <p:nvPr/>
+      </p:nvGrpSpPr>
+      <p:grpSpPr>
+        <a:xfrm>
+          <a:off x="0" y="0"/>
+          <a:ext cx="0" cy="0"/>
+          <a:chOff x="0" y="0"/>
+          <a:chExt cx="0" cy="0"/>
+        </a:xfrm>
+      </p:grpSpPr>
+      <p:sp>
+        <p:nvSpPr>
+          <p:cNvPr id="2" name="タイトル 1"/>
+          <p:cNvSpPr>
+            <a:spLocks noGrp="1"/>
+          </p:cNvSpPr>
+          <p:nvPr>
+            <p:ph type="title"/>
+          </p:nvPr>
+        </p:nvSpPr>
+        <p:spPr/>
+        <p:txBody>
+          <a:bodyPr/>
+          <a:lstStyle/>
+          <a:p>
+            <a:r>
+              <a:rPr lang="ja-JP" altLang="en-US" dirty="0" smtClean="0"/>
+              <a:t>サンプリング周期による比較</a:t>
+            </a:r>
+            <a:r>
+              <a:rPr lang="en-US" altLang="ja-JP" b="0" dirty="0" smtClean="0"/>
+              <a:t>(r)</a:t>
+            </a:r>
+            <a:endParaRPr kumimoji="1" lang="ja-JP" altLang="en-US" b="0" dirty="0"/>
+          </a:p>
+        </p:txBody>
+      </p:sp>
+      <p:pic>
+        <p:nvPicPr>
+          <p:cNvPr id="4" name="コンテンツ プレースホルダー 3"/>
+          <p:cNvPicPr>
+            <a:picLocks noGrp="1" noChangeAspect="1"/>
+          </p:cNvPicPr>
+          <p:nvPr>
+            <p:ph idx="1"/>
+          </p:nvPr>
+        </p:nvPicPr>
+        <p:blipFill>
+          <a:blip r:embed="rId2">
+            <a:extLst>
+              <a:ext uri="{28A0092B-C50C-407E-A947-70E740481C1C}">
+                <a14:useLocalDpi xmlns:a14="http://schemas.microsoft.com/office/drawing/2010/main" val="0"/>
+              </a:ext>
+            </a:extLst>
+          </a:blip>
+          <a:stretch>
+            <a:fillRect/>
+          </a:stretch>
+        </p:blipFill>
+        <p:spPr>
+          <a:xfrm>
+            <a:off x="2867558" y="925727"/>
+            <a:ext cx="3021178" cy="910388"/>
+          </a:xfrm>
+        </p:spPr>
+      </p:pic>
+      <p:pic>
+        <p:nvPicPr>
+          <p:cNvPr id="5" name="図 4"/>
+          <p:cNvPicPr>
+            <a:picLocks noChangeAspect="1"/>
+          </p:cNvPicPr>
+          <p:nvPr/>
+        </p:nvPicPr>
+        <p:blipFill>
+          <a:blip r:embed="rId3" cstate="print">
+            <a:extLst>
+              <a:ext uri="{28A0092B-C50C-407E-A947-70E740481C1C}">
+                <a14:useLocalDpi xmlns:a14="http://schemas.microsoft.com/office/drawing/2010/main" val="0"/>
+              </a:ext>
+            </a:extLst>
+          </a:blip>
+          <a:stretch>
+            <a:fillRect/>
+          </a:stretch>
+        </p:blipFill>
+        <p:spPr>
+          <a:xfrm>
+            <a:off x="846472" y="1836115"/>
+            <a:ext cx="7105150" cy="4973605"/>
+          </a:xfrm>
+          <a:prstGeom prst="rect">
+            <a:avLst/>
+          </a:prstGeom>
+        </p:spPr>
+      </p:pic>
+    </p:spTree>
+    <p:extLst>
+      <p:ext uri="{BB962C8B-B14F-4D97-AF65-F5344CB8AC3E}">
+        <p14:creationId xmlns:p14="http://schemas.microsoft.com/office/powerpoint/2010/main" val="1276742226"/>
+      </p:ext>
+    </p:extLst>
+  </p:cSld>
+  <p:clrMapOvr>
+    <a:masterClrMapping/>
+  </p:clrMapOvr>
+</p:sld>
+</file>
+
+<file path=ppt/slides/slide13.xml><?xml version="1.0" encoding="utf-8"?>
+<p:sld xmlns:a="http://schemas.openxmlformats.org/drawingml/2006/main" xmlns:r="http://schemas.openxmlformats.org/officeDocument/2006/relationships" xmlns:p="http://schemas.openxmlformats.org/presentationml/2006/main">
+  <p:cSld>
+    <p:spTree>
+      <p:nvGrpSpPr>
+        <p:cNvPr id="1" name=""/>
+        <p:cNvGrpSpPr/>
+        <p:nvPr/>
+      </p:nvGrpSpPr>
+      <p:grpSpPr>
+        <a:xfrm>
+          <a:off x="0" y="0"/>
+          <a:ext cx="0" cy="0"/>
+          <a:chOff x="0" y="0"/>
+          <a:chExt cx="0" cy="0"/>
+        </a:xfrm>
+      </p:grpSpPr>
+      <p:sp>
+        <p:nvSpPr>
+          <p:cNvPr id="2" name="タイトル 1"/>
+          <p:cNvSpPr>
+            <a:spLocks noGrp="1"/>
+          </p:cNvSpPr>
+          <p:nvPr>
+            <p:ph type="title"/>
+          </p:nvPr>
+        </p:nvSpPr>
+        <p:spPr/>
+        <p:txBody>
+          <a:bodyPr/>
+          <a:lstStyle/>
+          <a:p>
+            <a:r>
+              <a:rPr lang="ja-JP" altLang="en-US" dirty="0" smtClean="0"/>
+              <a:t>サンプリング周期による比較</a:t>
+            </a:r>
+            <a:r>
+              <a:rPr lang="en-US" altLang="ja-JP" b="0" dirty="0" smtClean="0"/>
+              <a:t>(theta)</a:t>
+            </a:r>
+            <a:endParaRPr kumimoji="1" lang="ja-JP" altLang="en-US" b="0" dirty="0"/>
+          </a:p>
+        </p:txBody>
+      </p:sp>
+      <p:pic>
+        <p:nvPicPr>
+          <p:cNvPr id="4" name="コンテンツ プレースホルダー 3"/>
+          <p:cNvPicPr>
+            <a:picLocks noGrp="1" noChangeAspect="1"/>
+          </p:cNvPicPr>
+          <p:nvPr>
+            <p:ph idx="1"/>
+          </p:nvPr>
+        </p:nvPicPr>
+        <p:blipFill>
+          <a:blip r:embed="rId2">
+            <a:extLst>
+              <a:ext uri="{28A0092B-C50C-407E-A947-70E740481C1C}">
+                <a14:useLocalDpi xmlns:a14="http://schemas.microsoft.com/office/drawing/2010/main" val="0"/>
+              </a:ext>
+            </a:extLst>
+          </a:blip>
+          <a:stretch>
+            <a:fillRect/>
+          </a:stretch>
+        </p:blipFill>
+        <p:spPr>
+          <a:xfrm>
+            <a:off x="2867558" y="925727"/>
+            <a:ext cx="3021178" cy="910388"/>
+          </a:xfrm>
+        </p:spPr>
+      </p:pic>
+      <p:pic>
+        <p:nvPicPr>
+          <p:cNvPr id="3" name="図 2"/>
+          <p:cNvPicPr>
+            <a:picLocks noChangeAspect="1"/>
+          </p:cNvPicPr>
+          <p:nvPr/>
+        </p:nvPicPr>
+        <p:blipFill>
+          <a:blip r:embed="rId3">
+            <a:extLst>
+              <a:ext uri="{28A0092B-C50C-407E-A947-70E740481C1C}">
+                <a14:useLocalDpi xmlns:a14="http://schemas.microsoft.com/office/drawing/2010/main" val="0"/>
+              </a:ext>
+            </a:extLst>
+          </a:blip>
+          <a:stretch>
+            <a:fillRect/>
+          </a:stretch>
+        </p:blipFill>
+        <p:spPr>
+          <a:xfrm>
+            <a:off x="921715" y="1762962"/>
+            <a:ext cx="6980793" cy="4886555"/>
+          </a:xfrm>
+          <a:prstGeom prst="rect">
+            <a:avLst/>
+          </a:prstGeom>
+        </p:spPr>
+      </p:pic>
+    </p:spTree>
+    <p:extLst>
+      <p:ext uri="{BB962C8B-B14F-4D97-AF65-F5344CB8AC3E}">
+        <p14:creationId xmlns:p14="http://schemas.microsoft.com/office/powerpoint/2010/main" val="1309019751"/>
+      </p:ext>
+    </p:extLst>
+  </p:cSld>
+  <p:clrMapOvr>
+    <a:masterClrMapping/>
+  </p:clrMapOvr>
+</p:sld>
+</file>
+
+<file path=ppt/slides/slide14.xml><?xml version="1.0" encoding="utf-8"?>
+<p:sld xmlns:a="http://schemas.openxmlformats.org/drawingml/2006/main" xmlns:r="http://schemas.openxmlformats.org/officeDocument/2006/relationships" xmlns:p="http://schemas.openxmlformats.org/presentationml/2006/main">
+  <p:cSld>
+    <p:spTree>
+      <p:nvGrpSpPr>
+        <p:cNvPr id="1" name=""/>
+        <p:cNvGrpSpPr/>
+        <p:nvPr/>
+      </p:nvGrpSpPr>
+      <p:grpSpPr>
+        <a:xfrm>
+          <a:off x="0" y="0"/>
+          <a:ext cx="0" cy="0"/>
+          <a:chOff x="0" y="0"/>
+          <a:chExt cx="0" cy="0"/>
+        </a:xfrm>
+      </p:grpSpPr>
+      <p:sp>
+        <p:nvSpPr>
+          <p:cNvPr id="2" name="タイトル 1"/>
+          <p:cNvSpPr>
+            <a:spLocks noGrp="1"/>
+          </p:cNvSpPr>
+          <p:nvPr>
+            <p:ph type="title"/>
+          </p:nvPr>
+        </p:nvSpPr>
+        <p:spPr/>
+        <p:txBody>
+          <a:bodyPr/>
+          <a:lstStyle/>
+          <a:p>
+            <a:endParaRPr kumimoji="1" lang="ja-JP" altLang="en-US"/>
+          </a:p>
+        </p:txBody>
+      </p:sp>
+      <p:sp>
+        <p:nvSpPr>
+          <p:cNvPr id="3" name="コンテンツ プレースホルダー 2"/>
+          <p:cNvSpPr>
+            <a:spLocks noGrp="1"/>
+          </p:cNvSpPr>
+          <p:nvPr>
+            <p:ph idx="1"/>
+          </p:nvPr>
+        </p:nvSpPr>
+        <p:spPr/>
+        <p:txBody>
+          <a:bodyPr/>
+          <a:lstStyle/>
+          <a:p>
+            <a:endParaRPr kumimoji="1" lang="ja-JP" altLang="en-US"/>
+          </a:p>
+        </p:txBody>
+      </p:sp>
+    </p:spTree>
+    <p:extLst>
+      <p:ext uri="{BB962C8B-B14F-4D97-AF65-F5344CB8AC3E}">
+        <p14:creationId xmlns:p14="http://schemas.microsoft.com/office/powerpoint/2010/main" val="1215088400"/>
+      </p:ext>
+    </p:extLst>
+  </p:cSld>
+  <p:clrMapOvr>
+    <a:masterClrMapping/>
+  </p:clrMapOvr>
+</p:sld>
+</file>
+
+<file path=ppt/slides/slide15.xml><?xml version="1.0" encoding="utf-8"?>
+<p:sld xmlns:a="http://schemas.openxmlformats.org/drawingml/2006/main" xmlns:r="http://schemas.openxmlformats.org/officeDocument/2006/relationships" xmlns:p="http://schemas.openxmlformats.org/presentationml/2006/main">
+  <p:cSld>
+    <p:spTree>
+      <p:nvGrpSpPr>
+        <p:cNvPr id="1" name=""/>
+        <p:cNvGrpSpPr/>
+        <p:nvPr/>
+      </p:nvGrpSpPr>
+      <p:grpSpPr>
+        <a:xfrm>
+          <a:off x="0" y="0"/>
+          <a:ext cx="0" cy="0"/>
+          <a:chOff x="0" y="0"/>
+          <a:chExt cx="0" cy="0"/>
+        </a:xfrm>
+      </p:grpSpPr>
+      <p:sp>
+        <p:nvSpPr>
+          <p:cNvPr id="2" name="タイトル 1"/>
+          <p:cNvSpPr>
+            <a:spLocks noGrp="1"/>
+          </p:cNvSpPr>
+          <p:nvPr>
+            <p:ph type="title"/>
+          </p:nvPr>
+        </p:nvSpPr>
+        <p:spPr/>
+        <p:txBody>
+          <a:bodyPr/>
+          <a:lstStyle/>
+          <a:p>
+            <a:endParaRPr kumimoji="1" lang="ja-JP" altLang="en-US"/>
+          </a:p>
+        </p:txBody>
+      </p:sp>
+      <p:sp>
+        <p:nvSpPr>
+          <p:cNvPr id="3" name="コンテンツ プレースホルダー 2"/>
+          <p:cNvSpPr>
+            <a:spLocks noGrp="1"/>
+          </p:cNvSpPr>
+          <p:nvPr>
+            <p:ph idx="1"/>
+          </p:nvPr>
+        </p:nvSpPr>
+        <p:spPr/>
+        <p:txBody>
+          <a:bodyPr/>
+          <a:lstStyle/>
+          <a:p>
+            <a:endParaRPr kumimoji="1" lang="ja-JP" altLang="en-US"/>
+          </a:p>
+        </p:txBody>
+      </p:sp>
+    </p:spTree>
+    <p:extLst>
+      <p:ext uri="{BB962C8B-B14F-4D97-AF65-F5344CB8AC3E}">
+        <p14:creationId xmlns:p14="http://schemas.microsoft.com/office/powerpoint/2010/main" val="3559438121"/>
+      </p:ext>
+    </p:extLst>
+  </p:cSld>
+  <p:clrMapOvr>
+    <a:masterClrMapping/>
+  </p:clrMapOvr>
+</p:sld>
+</file>
+
+<file path=ppt/slides/slide16.xml><?xml version="1.0" encoding="utf-8"?>
+<p:sld xmlns:a="http://schemas.openxmlformats.org/drawingml/2006/main" xmlns:r="http://schemas.openxmlformats.org/officeDocument/2006/relationships" xmlns:p="http://schemas.openxmlformats.org/presentationml/2006/main">
+  <p:cSld>
+    <p:spTree>
+      <p:nvGrpSpPr>
+        <p:cNvPr id="1" name=""/>
+        <p:cNvGrpSpPr/>
+        <p:nvPr/>
+      </p:nvGrpSpPr>
+      <p:grpSpPr>
+        <a:xfrm>
+          <a:off x="0" y="0"/>
+          <a:ext cx="0" cy="0"/>
+          <a:chOff x="0" y="0"/>
+          <a:chExt cx="0" cy="0"/>
+        </a:xfrm>
+      </p:grpSpPr>
+      <p:sp>
+        <p:nvSpPr>
+          <p:cNvPr id="2" name="タイトル 1"/>
+          <p:cNvSpPr>
+            <a:spLocks noGrp="1"/>
+          </p:cNvSpPr>
+          <p:nvPr>
+            <p:ph type="title"/>
+          </p:nvPr>
+        </p:nvSpPr>
+        <p:spPr/>
+        <p:txBody>
+          <a:bodyPr/>
+          <a:lstStyle/>
+          <a:p>
+            <a:endParaRPr kumimoji="1" lang="ja-JP" altLang="en-US"/>
+          </a:p>
+        </p:txBody>
+      </p:sp>
+      <p:sp>
+        <p:nvSpPr>
+          <p:cNvPr id="3" name="コンテンツ プレースホルダー 2"/>
+          <p:cNvSpPr>
+            <a:spLocks noGrp="1"/>
+          </p:cNvSpPr>
+          <p:nvPr>
+            <p:ph idx="1"/>
+          </p:nvPr>
+        </p:nvSpPr>
+        <p:spPr/>
+        <p:txBody>
+          <a:bodyPr/>
+          <a:lstStyle/>
+          <a:p>
+            <a:endParaRPr kumimoji="1" lang="ja-JP" altLang="en-US"/>
+          </a:p>
+        </p:txBody>
+      </p:sp>
+    </p:spTree>
+    <p:extLst>
+      <p:ext uri="{BB962C8B-B14F-4D97-AF65-F5344CB8AC3E}">
+        <p14:creationId xmlns:p14="http://schemas.microsoft.com/office/powerpoint/2010/main" val="471072031"/>
       </p:ext>
     </p:extLst>
   </p:cSld>
